--- a/slides/Tag-3_3-Abschluss.pptx
+++ b/slides/Tag-3_3-Abschluss.pptx
@@ -175,10 +175,6 @@
 </p:presentation>
 </file>
 
-<file path=ppt/revisionInfo.xml><?xml version="1.0" encoding="utf-8"?>
-<p1510:revInfo xmlns:a="http://schemas.openxmlformats.org/drawingml/2006/main" xmlns:r="http://schemas.openxmlformats.org/officeDocument/2006/relationships" xmlns:p1510="http://schemas.microsoft.com/office/powerpoint/2015/10/main"/>
-</file>
-
 <file path=ppt/handoutMasters/handoutMaster1.xml><?xml version="1.0" encoding="utf-8"?>
 <p:handoutMaster xmlns:a="http://schemas.openxmlformats.org/drawingml/2006/main" xmlns:r="http://schemas.openxmlformats.org/officeDocument/2006/relationships" xmlns:p="http://schemas.openxmlformats.org/presentationml/2006/main">
   <p:cSld>
@@ -6743,7 +6739,7 @@
               <a:pPr algn="ctr">
                 <a:defRPr/>
               </a:pPr>
-              <a:t>16.06.2017</a:t>
+              <a:t>15.03.2019</a:t>
             </a:fld>
             <a:endParaRPr lang="de-DE" sz="1000" dirty="0">
               <a:solidFill>
@@ -8398,27 +8394,40 @@
           <a:bodyPr/>
           <a:lstStyle/>
           <a:p>
+            <a:pPr>
+              <a:buFont typeface="Arial" panose="020B0604020202020204" pitchFamily="34" charset="0"/>
+              <a:buChar char="•"/>
+            </a:pPr>
             <a:r>
               <a:rPr lang="de-DE" sz="2000" b="1" dirty="0"/>
               <a:t>Tag 1 – Einführung</a:t>
             </a:r>
           </a:p>
           <a:p>
-            <a:pPr lvl="1"/>
+            <a:pPr lvl="1">
+              <a:buFont typeface="Arial" panose="020B0604020202020204" pitchFamily="34" charset="0"/>
+              <a:buChar char="•"/>
+            </a:pPr>
             <a:r>
               <a:rPr lang="de-DE" sz="1600" dirty="0"/>
               <a:t>Installation</a:t>
             </a:r>
           </a:p>
           <a:p>
-            <a:pPr lvl="1"/>
+            <a:pPr lvl="1">
+              <a:buFont typeface="Arial" panose="020B0604020202020204" pitchFamily="34" charset="0"/>
+              <a:buChar char="•"/>
+            </a:pPr>
             <a:r>
               <a:rPr lang="de-DE" sz="1600" dirty="0"/>
               <a:t>Erste Anwendung</a:t>
             </a:r>
           </a:p>
           <a:p>
-            <a:pPr lvl="1"/>
+            <a:pPr lvl="1">
+              <a:buFont typeface="Arial" panose="020B0604020202020204" pitchFamily="34" charset="0"/>
+              <a:buChar char="•"/>
+            </a:pPr>
             <a:r>
               <a:rPr lang="de-DE" sz="1600" dirty="0"/>
               <a:t>Architektur</a:t>
@@ -8431,34 +8440,50 @@
             <a:endParaRPr lang="de-DE" sz="1600" dirty="0"/>
           </a:p>
           <a:p>
+            <a:pPr>
+              <a:buFont typeface="Arial" panose="020B0604020202020204" pitchFamily="34" charset="0"/>
+              <a:buChar char="•"/>
+            </a:pPr>
             <a:r>
               <a:rPr lang="de-DE" sz="2000" b="1" dirty="0"/>
               <a:t>Tag 2 – Entwicklung</a:t>
             </a:r>
           </a:p>
           <a:p>
-            <a:pPr lvl="1"/>
+            <a:pPr lvl="1">
+              <a:buFont typeface="Arial" panose="020B0604020202020204" pitchFamily="34" charset="0"/>
+              <a:buChar char="•"/>
+            </a:pPr>
             <a:r>
               <a:rPr lang="de-DE" sz="1600" dirty="0"/>
               <a:t>Models</a:t>
             </a:r>
           </a:p>
           <a:p>
-            <a:pPr lvl="1"/>
+            <a:pPr lvl="1">
+              <a:buFont typeface="Arial" panose="020B0604020202020204" pitchFamily="34" charset="0"/>
+              <a:buChar char="•"/>
+            </a:pPr>
             <a:r>
               <a:rPr lang="de-DE" sz="1600" dirty="0"/>
               <a:t>Darstellung</a:t>
             </a:r>
           </a:p>
           <a:p>
-            <a:pPr lvl="1"/>
+            <a:pPr lvl="1">
+              <a:buFont typeface="Arial" panose="020B0604020202020204" pitchFamily="34" charset="0"/>
+              <a:buChar char="•"/>
+            </a:pPr>
             <a:r>
               <a:rPr lang="de-DE" sz="1600" dirty="0"/>
               <a:t>Formulare</a:t>
             </a:r>
           </a:p>
           <a:p>
-            <a:pPr lvl="1"/>
+            <a:pPr lvl="1">
+              <a:buFont typeface="Arial" panose="020B0604020202020204" pitchFamily="34" charset="0"/>
+              <a:buChar char="•"/>
+            </a:pPr>
             <a:r>
               <a:rPr lang="de-DE" sz="1600" dirty="0"/>
               <a:t>Ajax</a:t>
@@ -8471,20 +8496,30 @@
             <a:endParaRPr lang="de-DE" sz="1600" dirty="0"/>
           </a:p>
           <a:p>
+            <a:pPr>
+              <a:buFont typeface="Arial" panose="020B0604020202020204" pitchFamily="34" charset="0"/>
+              <a:buChar char="•"/>
+            </a:pPr>
             <a:r>
               <a:rPr lang="de-DE" sz="2000" b="1" dirty="0"/>
               <a:t>Tag 3 – Fortgeschrittene Themen</a:t>
             </a:r>
           </a:p>
           <a:p>
-            <a:pPr lvl="1"/>
+            <a:pPr lvl="1">
+              <a:buFont typeface="Arial" panose="020B0604020202020204" pitchFamily="34" charset="0"/>
+              <a:buChar char="•"/>
+            </a:pPr>
             <a:r>
               <a:rPr lang="de-DE" sz="1600" dirty="0"/>
               <a:t>Tests</a:t>
             </a:r>
           </a:p>
           <a:p>
-            <a:pPr lvl="1"/>
+            <a:pPr lvl="1">
+              <a:buFont typeface="Arial" panose="020B0604020202020204" pitchFamily="34" charset="0"/>
+              <a:buChar char="•"/>
+            </a:pPr>
             <a:r>
               <a:rPr lang="de-DE" sz="1600" dirty="0"/>
               <a:t>Security &amp; </a:t>
@@ -8496,14 +8531,20 @@
             <a:endParaRPr lang="de-DE" sz="1600" dirty="0"/>
           </a:p>
           <a:p>
-            <a:pPr lvl="1"/>
+            <a:pPr lvl="1">
+              <a:buFont typeface="Arial" panose="020B0604020202020204" pitchFamily="34" charset="0"/>
+              <a:buChar char="•"/>
+            </a:pPr>
             <a:r>
               <a:rPr lang="de-DE" sz="1600" dirty="0"/>
               <a:t>Lokalisierung &amp; Internationalisierung</a:t>
             </a:r>
           </a:p>
           <a:p>
-            <a:pPr lvl="1"/>
+            <a:pPr lvl="1">
+              <a:buFont typeface="Arial" panose="020B0604020202020204" pitchFamily="34" charset="0"/>
+              <a:buChar char="•"/>
+            </a:pPr>
             <a:r>
               <a:rPr lang="de-DE" sz="1600" dirty="0"/>
               <a:t>Performance</a:t>

--- a/slides/Tag-3_3-Abschluss.pptx
+++ b/slides/Tag-3_3-Abschluss.pptx
@@ -3548,14 +3548,20 @@
               <a:defRPr/>
             </a:pPr>
             <a:r>
-              <a:rPr lang="de-DE" sz="1000" dirty="0">
+              <a:rPr lang="de-DE" sz="1000" dirty="0" smtClean="0">
                 <a:solidFill>
                   <a:schemeClr val="bg1"/>
                 </a:solidFill>
                 <a:latin typeface="Arial" charset="0"/>
               </a:rPr>
-              <a:t>Daniel Krämer</a:t>
-            </a:r>
+              <a:t>Patrick Möbius</a:t>
+            </a:r>
+            <a:endParaRPr lang="de-DE" sz="1000" dirty="0">
+              <a:solidFill>
+                <a:schemeClr val="bg1"/>
+              </a:solidFill>
+              <a:latin typeface="Arial" charset="0"/>
+            </a:endParaRPr>
           </a:p>
         </p:txBody>
       </p:sp>
@@ -6739,7 +6745,7 @@
               <a:pPr algn="ctr">
                 <a:defRPr/>
               </a:pPr>
-              <a:t>15.03.2019</a:t>
+              <a:t>14.05.2021</a:t>
             </a:fld>
             <a:endParaRPr lang="de-DE" sz="1000" dirty="0">
               <a:solidFill>

--- a/slides/Tag-3_3-Abschluss.pptx
+++ b/slides/Tag-3_3-Abschluss.pptx
@@ -6,14 +6,15 @@
     <p:sldMasterId id="2147483649" r:id="rId2"/>
   </p:sldMasterIdLst>
   <p:notesMasterIdLst>
-    <p:notesMasterId r:id="rId5"/>
+    <p:notesMasterId r:id="rId6"/>
   </p:notesMasterIdLst>
   <p:handoutMasterIdLst>
-    <p:handoutMasterId r:id="rId6"/>
+    <p:handoutMasterId r:id="rId7"/>
   </p:handoutMasterIdLst>
   <p:sldIdLst>
     <p:sldId id="256" r:id="rId3"/>
-    <p:sldId id="257" r:id="rId4"/>
+    <p:sldId id="258" r:id="rId4"/>
+    <p:sldId id="257" r:id="rId5"/>
   </p:sldIdLst>
   <p:sldSz cx="9144000" cy="6858000" type="screen4x3"/>
   <p:notesSz cx="6784975" cy="9921875"/>
@@ -6745,7 +6746,7 @@
               <a:pPr algn="ctr">
                 <a:defRPr/>
               </a:pPr>
-              <a:t>14.05.2021</a:t>
+              <a:t>28.05.2021</a:t>
             </a:fld>
             <a:endParaRPr lang="de-DE" sz="1000" dirty="0">
               <a:solidFill>
@@ -8645,6 +8646,888 @@
           <a:chExt cx="0" cy="0"/>
         </a:xfrm>
       </p:grpSpPr>
+      <p:pic>
+        <p:nvPicPr>
+          <p:cNvPr id="9" name="Picture 2" descr="hintergrund12"/>
+          <p:cNvPicPr>
+            <a:picLocks noChangeAspect="1" noChangeArrowheads="1"/>
+          </p:cNvPicPr>
+          <p:nvPr/>
+        </p:nvPicPr>
+        <p:blipFill>
+          <a:blip r:embed="rId2" cstate="print"/>
+          <a:srcRect/>
+          <a:stretch>
+            <a:fillRect/>
+          </a:stretch>
+        </p:blipFill>
+        <p:spPr bwMode="auto">
+          <a:xfrm>
+            <a:off x="539750" y="1098550"/>
+            <a:ext cx="8154988" cy="5065713"/>
+          </a:xfrm>
+          <a:prstGeom prst="rect">
+            <a:avLst/>
+          </a:prstGeom>
+          <a:noFill/>
+          <a:ln w="9525">
+            <a:noFill/>
+            <a:miter lim="800000"/>
+            <a:headEnd/>
+            <a:tailEnd/>
+          </a:ln>
+        </p:spPr>
+      </p:pic>
+      <p:sp>
+        <p:nvSpPr>
+          <p:cNvPr id="12" name="Rechteck 11"/>
+          <p:cNvSpPr/>
+          <p:nvPr/>
+        </p:nvSpPr>
+        <p:spPr bwMode="auto">
+          <a:xfrm>
+            <a:off x="215931" y="1071546"/>
+            <a:ext cx="8785225" cy="5214974"/>
+          </a:xfrm>
+          <a:prstGeom prst="rect">
+            <a:avLst/>
+          </a:prstGeom>
+          <a:solidFill>
+            <a:schemeClr val="bg1">
+              <a:alpha val="80000"/>
+            </a:schemeClr>
+          </a:solidFill>
+          <a:ln w="12700">
+            <a:noFill/>
+          </a:ln>
+        </p:spPr>
+        <p:style>
+          <a:lnRef idx="2">
+            <a:schemeClr val="accent1">
+              <a:shade val="50000"/>
+            </a:schemeClr>
+          </a:lnRef>
+          <a:fillRef idx="1">
+            <a:schemeClr val="accent1"/>
+          </a:fillRef>
+          <a:effectRef idx="0">
+            <a:schemeClr val="accent1"/>
+          </a:effectRef>
+          <a:fontRef idx="minor">
+            <a:schemeClr val="lt1"/>
+          </a:fontRef>
+        </p:style>
+        <p:txBody>
+          <a:bodyPr anchor="ctr"/>
+          <a:lstStyle/>
+          <a:p>
+            <a:pPr algn="ctr">
+              <a:defRPr/>
+            </a:pPr>
+            <a:endParaRPr lang="de-DE" sz="1600" b="1" dirty="0" err="1">
+              <a:solidFill>
+                <a:schemeClr val="tx1"/>
+              </a:solidFill>
+            </a:endParaRPr>
+          </a:p>
+        </p:txBody>
+      </p:sp>
+      <p:sp>
+        <p:nvSpPr>
+          <p:cNvPr id="29698" name="Titel 2"/>
+          <p:cNvSpPr>
+            <a:spLocks noGrp="1"/>
+          </p:cNvSpPr>
+          <p:nvPr>
+            <p:ph type="title"/>
+          </p:nvPr>
+        </p:nvSpPr>
+        <p:spPr/>
+        <p:txBody>
+          <a:bodyPr/>
+          <a:lstStyle/>
+          <a:p>
+            <a:r>
+              <a:rPr lang="de-DE"/>
+              <a:t>Feedback? Besten Dank!</a:t>
+            </a:r>
+          </a:p>
+        </p:txBody>
+      </p:sp>
+      <p:sp>
+        <p:nvSpPr>
+          <p:cNvPr id="7170" name="Inhaltsplatzhalter 7"/>
+          <p:cNvSpPr>
+            <a:spLocks noGrp="1"/>
+          </p:cNvSpPr>
+          <p:nvPr>
+            <p:ph idx="1"/>
+          </p:nvPr>
+        </p:nvSpPr>
+        <p:spPr>
+          <a:xfrm>
+            <a:off x="303213" y="1123951"/>
+            <a:ext cx="7869187" cy="4233875"/>
+          </a:xfrm>
+        </p:spPr>
+        <p:txBody>
+          <a:bodyPr/>
+          <a:lstStyle/>
+          <a:p>
+            <a:pPr marL="57150" indent="0">
+              <a:buFont typeface="Monotype Sorts" pitchFamily="2" charset="2"/>
+              <a:buNone/>
+              <a:defRPr/>
+            </a:pPr>
+            <a:r>
+              <a:rPr lang="de-DE" altLang="de-DE" b="1" dirty="0">
+                <a:solidFill>
+                  <a:srgbClr val="006A42"/>
+                </a:solidFill>
+              </a:rPr>
+              <a:t>Lust auf mehr? </a:t>
+            </a:r>
+            <a:endParaRPr lang="de-DE" altLang="de-DE" b="1" dirty="0" smtClean="0">
+              <a:solidFill>
+                <a:srgbClr val="006A42"/>
+              </a:solidFill>
+            </a:endParaRPr>
+          </a:p>
+          <a:p>
+            <a:pPr marL="57150" indent="0">
+              <a:buNone/>
+              <a:defRPr/>
+            </a:pPr>
+            <a:r>
+              <a:rPr lang="de-DE" altLang="de-DE" dirty="0"/>
+              <a:t>Wir bieten: </a:t>
+            </a:r>
+          </a:p>
+          <a:p>
+            <a:pPr>
+              <a:buFont typeface="Arial" charset="0"/>
+              <a:buChar char="●"/>
+              <a:defRPr/>
+            </a:pPr>
+            <a:r>
+              <a:rPr lang="de-DE" altLang="de-DE" dirty="0"/>
+              <a:t>Projektmanagement/ agile </a:t>
+            </a:r>
+            <a:r>
+              <a:rPr lang="de-DE" altLang="de-DE" dirty="0" smtClean="0"/>
+              <a:t>Methodik</a:t>
+            </a:r>
+            <a:endParaRPr lang="de-DE" altLang="de-DE" dirty="0"/>
+          </a:p>
+          <a:p>
+            <a:pPr>
+              <a:buFont typeface="Arial" charset="0"/>
+              <a:buChar char="●"/>
+              <a:defRPr/>
+            </a:pPr>
+            <a:r>
+              <a:rPr lang="de-DE" altLang="de-DE" dirty="0" smtClean="0"/>
+              <a:t>Trainings</a:t>
+            </a:r>
+            <a:r>
+              <a:rPr lang="de-DE" altLang="de-DE" smtClean="0"/>
+              <a:t>, Schulungen &amp; </a:t>
+            </a:r>
+            <a:r>
+              <a:rPr lang="de-DE" altLang="de-DE" dirty="0" smtClean="0"/>
+              <a:t>Konferenzen</a:t>
+            </a:r>
+            <a:endParaRPr lang="de-DE" altLang="de-DE" dirty="0"/>
+          </a:p>
+          <a:p>
+            <a:pPr>
+              <a:buFont typeface="Arial" charset="0"/>
+              <a:buChar char="●"/>
+              <a:defRPr/>
+            </a:pPr>
+            <a:r>
+              <a:rPr lang="en-US" altLang="de-DE" dirty="0" err="1"/>
+              <a:t>Individuelle</a:t>
+            </a:r>
+            <a:r>
+              <a:rPr lang="en-US" altLang="de-DE" dirty="0"/>
+              <a:t> </a:t>
+            </a:r>
+            <a:r>
+              <a:rPr lang="en-US" altLang="de-DE" dirty="0" err="1" smtClean="0"/>
+              <a:t>Anwendungsentwicklung</a:t>
+            </a:r>
+            <a:endParaRPr lang="de-DE" altLang="de-DE" dirty="0"/>
+          </a:p>
+          <a:p>
+            <a:pPr marL="57150" indent="0">
+              <a:buFont typeface="Monotype Sorts" pitchFamily="2" charset="2"/>
+              <a:buNone/>
+              <a:defRPr/>
+            </a:pPr>
+            <a:endParaRPr lang="de-DE" altLang="de-DE" dirty="0"/>
+          </a:p>
+          <a:p>
+            <a:pPr>
+              <a:buFont typeface="Webdings" pitchFamily="18" charset="2"/>
+              <a:buChar char=""/>
+              <a:defRPr/>
+            </a:pPr>
+            <a:r>
+              <a:rPr lang="de-DE" altLang="de-DE" dirty="0" smtClean="0">
+                <a:hlinkClick r:id="rId3"/>
+              </a:rPr>
+              <a:t>patrick.moebius@anderScore.com</a:t>
+            </a:r>
+            <a:endParaRPr lang="de-DE" altLang="de-DE" dirty="0" smtClean="0"/>
+          </a:p>
+          <a:p>
+            <a:pPr>
+              <a:buFont typeface="Webdings" pitchFamily="18" charset="2"/>
+              <a:buChar char=""/>
+              <a:defRPr/>
+            </a:pPr>
+            <a:r>
+              <a:rPr lang="de-DE" altLang="de-DE" dirty="0" smtClean="0">
+                <a:hlinkClick r:id="rId4"/>
+              </a:rPr>
+              <a:t>info@anderScore.com</a:t>
+            </a:r>
+            <a:endParaRPr lang="de-DE" altLang="de-DE" dirty="0"/>
+          </a:p>
+          <a:p>
+            <a:pPr>
+              <a:buFont typeface="Wingdings" pitchFamily="2" charset="2"/>
+              <a:buChar char=""/>
+              <a:defRPr/>
+            </a:pPr>
+            <a:r>
+              <a:rPr lang="de-DE" altLang="de-DE" dirty="0"/>
+              <a:t>0221-3558-3530</a:t>
+            </a:r>
+          </a:p>
+          <a:p>
+            <a:pPr lvl="1">
+              <a:buFont typeface="Arial" charset="0"/>
+              <a:buChar char="●"/>
+              <a:defRPr/>
+            </a:pPr>
+            <a:endParaRPr lang="de-DE" altLang="de-DE" dirty="0"/>
+          </a:p>
+          <a:p>
+            <a:pPr marL="57150" indent="0">
+              <a:buNone/>
+              <a:defRPr/>
+            </a:pPr>
+            <a:r>
+              <a:rPr lang="de-DE" altLang="de-DE" dirty="0" smtClean="0"/>
+              <a:t>Folien, Übungen &amp; Musterlösungen:</a:t>
+            </a:r>
+            <a:br>
+              <a:rPr lang="de-DE" altLang="de-DE" dirty="0" smtClean="0"/>
+            </a:br>
+            <a:r>
+              <a:rPr lang="de-DE" altLang="de-DE" dirty="0">
+                <a:hlinkClick r:id="rId5"/>
+              </a:rPr>
+              <a:t>https://</a:t>
+            </a:r>
+            <a:r>
+              <a:rPr lang="de-DE" altLang="de-DE" dirty="0" smtClean="0">
+                <a:hlinkClick r:id="rId5"/>
+              </a:rPr>
+              <a:t>github.com/anderscore-gmbh/wicket-2021.05</a:t>
+            </a:r>
+            <a:endParaRPr lang="de-DE" altLang="de-DE" dirty="0"/>
+          </a:p>
+          <a:p>
+            <a:pPr marL="457200" lvl="1" indent="0">
+              <a:buFont typeface="Monotype Sorts" pitchFamily="2" charset="2"/>
+              <a:buNone/>
+              <a:defRPr/>
+            </a:pPr>
+            <a:endParaRPr lang="de-DE" altLang="de-DE" dirty="0"/>
+          </a:p>
+        </p:txBody>
+      </p:sp>
+      <p:sp>
+        <p:nvSpPr>
+          <p:cNvPr id="29700" name="Fußzeilenplatzhalter 1"/>
+          <p:cNvSpPr txBox="1">
+            <a:spLocks/>
+          </p:cNvSpPr>
+          <p:nvPr/>
+        </p:nvSpPr>
+        <p:spPr bwMode="auto">
+          <a:xfrm>
+            <a:off x="3419475" y="6462713"/>
+            <a:ext cx="4681538" cy="192087"/>
+          </a:xfrm>
+          <a:prstGeom prst="rect">
+            <a:avLst/>
+          </a:prstGeom>
+          <a:noFill/>
+          <a:ln w="9525">
+            <a:noFill/>
+            <a:miter lim="800000"/>
+            <a:headEnd/>
+            <a:tailEnd/>
+          </a:ln>
+        </p:spPr>
+        <p:txBody>
+          <a:bodyPr/>
+          <a:lstStyle/>
+          <a:p>
+            <a:endParaRPr lang="de-DE" altLang="de-DE"/>
+          </a:p>
+        </p:txBody>
+      </p:sp>
+      <p:sp>
+        <p:nvSpPr>
+          <p:cNvPr id="29701" name="Foliennummernplatzhalter 2"/>
+          <p:cNvSpPr txBox="1">
+            <a:spLocks/>
+          </p:cNvSpPr>
+          <p:nvPr/>
+        </p:nvSpPr>
+        <p:spPr bwMode="auto">
+          <a:xfrm>
+            <a:off x="8101013" y="6459538"/>
+            <a:ext cx="647700" cy="192087"/>
+          </a:xfrm>
+          <a:prstGeom prst="rect">
+            <a:avLst/>
+          </a:prstGeom>
+          <a:noFill/>
+          <a:ln w="9525">
+            <a:noFill/>
+            <a:miter lim="800000"/>
+            <a:headEnd/>
+            <a:tailEnd/>
+          </a:ln>
+        </p:spPr>
+        <p:txBody>
+          <a:bodyPr/>
+          <a:lstStyle/>
+          <a:p>
+            <a:endParaRPr lang="de-DE" altLang="de-DE"/>
+          </a:p>
+        </p:txBody>
+      </p:sp>
+    </p:spTree>
+    <p:extLst>
+      <p:ext uri="{BB962C8B-B14F-4D97-AF65-F5344CB8AC3E}">
+        <p14:creationId xmlns:p14="http://schemas.microsoft.com/office/powerpoint/2010/main" val="2881266292"/>
+      </p:ext>
+    </p:extLst>
+  </p:cSld>
+  <p:clrMapOvr>
+    <a:masterClrMapping/>
+  </p:clrMapOvr>
+  <p:timing>
+    <p:tnLst>
+      <p:par>
+        <p:cTn id="1" dur="indefinite" restart="never" nodeType="tmRoot">
+          <p:childTnLst>
+            <p:seq concurrent="1" nextAc="seek">
+              <p:cTn id="2" dur="indefinite" nodeType="mainSeq">
+                <p:childTnLst>
+                  <p:par>
+                    <p:cTn id="3" fill="hold">
+                      <p:stCondLst>
+                        <p:cond delay="indefinite"/>
+                      </p:stCondLst>
+                      <p:childTnLst>
+                        <p:par>
+                          <p:cTn id="4" fill="hold">
+                            <p:stCondLst>
+                              <p:cond delay="0"/>
+                            </p:stCondLst>
+                            <p:childTnLst>
+                              <p:par>
+                                <p:cTn id="5" presetID="1" presetClass="entr" presetSubtype="0" fill="hold" grpId="0" nodeType="clickEffect">
+                                  <p:stCondLst>
+                                    <p:cond delay="0"/>
+                                  </p:stCondLst>
+                                  <p:childTnLst>
+                                    <p:set>
+                                      <p:cBhvr>
+                                        <p:cTn id="6" dur="1" fill="hold">
+                                          <p:stCondLst>
+                                            <p:cond delay="0"/>
+                                          </p:stCondLst>
+                                        </p:cTn>
+                                        <p:tgtEl>
+                                          <p:spTgt spid="12"/>
+                                        </p:tgtEl>
+                                        <p:attrNameLst>
+                                          <p:attrName>style.visibility</p:attrName>
+                                        </p:attrNameLst>
+                                      </p:cBhvr>
+                                      <p:to>
+                                        <p:strVal val="visible"/>
+                                      </p:to>
+                                    </p:set>
+                                  </p:childTnLst>
+                                </p:cTn>
+                              </p:par>
+                              <p:par>
+                                <p:cTn id="7" presetID="1" presetClass="entr" presetSubtype="0" fill="hold" grpId="0" nodeType="withEffect">
+                                  <p:stCondLst>
+                                    <p:cond delay="0"/>
+                                  </p:stCondLst>
+                                  <p:childTnLst>
+                                    <p:set>
+                                      <p:cBhvr>
+                                        <p:cTn id="8" dur="1" fill="hold">
+                                          <p:stCondLst>
+                                            <p:cond delay="0"/>
+                                          </p:stCondLst>
+                                        </p:cTn>
+                                        <p:tgtEl>
+                                          <p:spTgt spid="7170">
+                                            <p:txEl>
+                                              <p:pRg st="0" end="0"/>
+                                            </p:txEl>
+                                          </p:spTgt>
+                                        </p:tgtEl>
+                                        <p:attrNameLst>
+                                          <p:attrName>style.visibility</p:attrName>
+                                        </p:attrNameLst>
+                                      </p:cBhvr>
+                                      <p:to>
+                                        <p:strVal val="visible"/>
+                                      </p:to>
+                                    </p:set>
+                                  </p:childTnLst>
+                                </p:cTn>
+                              </p:par>
+                            </p:childTnLst>
+                          </p:cTn>
+                        </p:par>
+                      </p:childTnLst>
+                    </p:cTn>
+                  </p:par>
+                  <p:par>
+                    <p:cTn id="9" fill="hold">
+                      <p:stCondLst>
+                        <p:cond delay="indefinite"/>
+                      </p:stCondLst>
+                      <p:childTnLst>
+                        <p:par>
+                          <p:cTn id="10" fill="hold">
+                            <p:stCondLst>
+                              <p:cond delay="0"/>
+                            </p:stCondLst>
+                            <p:childTnLst>
+                              <p:par>
+                                <p:cTn id="11" presetID="1" presetClass="entr" presetSubtype="0" fill="hold" grpId="0" nodeType="clickEffect">
+                                  <p:stCondLst>
+                                    <p:cond delay="0"/>
+                                  </p:stCondLst>
+                                  <p:childTnLst>
+                                    <p:set>
+                                      <p:cBhvr>
+                                        <p:cTn id="12" dur="1" fill="hold">
+                                          <p:stCondLst>
+                                            <p:cond delay="0"/>
+                                          </p:stCondLst>
+                                        </p:cTn>
+                                        <p:tgtEl>
+                                          <p:spTgt spid="7170">
+                                            <p:txEl>
+                                              <p:pRg st="1" end="1"/>
+                                            </p:txEl>
+                                          </p:spTgt>
+                                        </p:tgtEl>
+                                        <p:attrNameLst>
+                                          <p:attrName>style.visibility</p:attrName>
+                                        </p:attrNameLst>
+                                      </p:cBhvr>
+                                      <p:to>
+                                        <p:strVal val="visible"/>
+                                      </p:to>
+                                    </p:set>
+                                  </p:childTnLst>
+                                </p:cTn>
+                              </p:par>
+                            </p:childTnLst>
+                          </p:cTn>
+                        </p:par>
+                      </p:childTnLst>
+                    </p:cTn>
+                  </p:par>
+                  <p:par>
+                    <p:cTn id="13" fill="hold">
+                      <p:stCondLst>
+                        <p:cond delay="indefinite"/>
+                      </p:stCondLst>
+                      <p:childTnLst>
+                        <p:par>
+                          <p:cTn id="14" fill="hold">
+                            <p:stCondLst>
+                              <p:cond delay="0"/>
+                            </p:stCondLst>
+                            <p:childTnLst>
+                              <p:par>
+                                <p:cTn id="15" presetID="1" presetClass="entr" presetSubtype="0" fill="hold" grpId="0" nodeType="clickEffect">
+                                  <p:stCondLst>
+                                    <p:cond delay="0"/>
+                                  </p:stCondLst>
+                                  <p:childTnLst>
+                                    <p:set>
+                                      <p:cBhvr>
+                                        <p:cTn id="16" dur="1" fill="hold">
+                                          <p:stCondLst>
+                                            <p:cond delay="0"/>
+                                          </p:stCondLst>
+                                        </p:cTn>
+                                        <p:tgtEl>
+                                          <p:spTgt spid="7170">
+                                            <p:txEl>
+                                              <p:pRg st="2" end="2"/>
+                                            </p:txEl>
+                                          </p:spTgt>
+                                        </p:tgtEl>
+                                        <p:attrNameLst>
+                                          <p:attrName>style.visibility</p:attrName>
+                                        </p:attrNameLst>
+                                      </p:cBhvr>
+                                      <p:to>
+                                        <p:strVal val="visible"/>
+                                      </p:to>
+                                    </p:set>
+                                  </p:childTnLst>
+                                </p:cTn>
+                              </p:par>
+                            </p:childTnLst>
+                          </p:cTn>
+                        </p:par>
+                      </p:childTnLst>
+                    </p:cTn>
+                  </p:par>
+                  <p:par>
+                    <p:cTn id="17" fill="hold">
+                      <p:stCondLst>
+                        <p:cond delay="indefinite"/>
+                      </p:stCondLst>
+                      <p:childTnLst>
+                        <p:par>
+                          <p:cTn id="18" fill="hold">
+                            <p:stCondLst>
+                              <p:cond delay="0"/>
+                            </p:stCondLst>
+                            <p:childTnLst>
+                              <p:par>
+                                <p:cTn id="19" presetID="1" presetClass="entr" presetSubtype="0" fill="hold" grpId="0" nodeType="clickEffect">
+                                  <p:stCondLst>
+                                    <p:cond delay="0"/>
+                                  </p:stCondLst>
+                                  <p:childTnLst>
+                                    <p:set>
+                                      <p:cBhvr>
+                                        <p:cTn id="20" dur="1" fill="hold">
+                                          <p:stCondLst>
+                                            <p:cond delay="0"/>
+                                          </p:stCondLst>
+                                        </p:cTn>
+                                        <p:tgtEl>
+                                          <p:spTgt spid="7170">
+                                            <p:txEl>
+                                              <p:pRg st="3" end="3"/>
+                                            </p:txEl>
+                                          </p:spTgt>
+                                        </p:tgtEl>
+                                        <p:attrNameLst>
+                                          <p:attrName>style.visibility</p:attrName>
+                                        </p:attrNameLst>
+                                      </p:cBhvr>
+                                      <p:to>
+                                        <p:strVal val="visible"/>
+                                      </p:to>
+                                    </p:set>
+                                  </p:childTnLst>
+                                </p:cTn>
+                              </p:par>
+                            </p:childTnLst>
+                          </p:cTn>
+                        </p:par>
+                      </p:childTnLst>
+                    </p:cTn>
+                  </p:par>
+                  <p:par>
+                    <p:cTn id="21" fill="hold">
+                      <p:stCondLst>
+                        <p:cond delay="indefinite"/>
+                      </p:stCondLst>
+                      <p:childTnLst>
+                        <p:par>
+                          <p:cTn id="22" fill="hold">
+                            <p:stCondLst>
+                              <p:cond delay="0"/>
+                            </p:stCondLst>
+                            <p:childTnLst>
+                              <p:par>
+                                <p:cTn id="23" presetID="1" presetClass="entr" presetSubtype="0" fill="hold" grpId="0" nodeType="clickEffect">
+                                  <p:stCondLst>
+                                    <p:cond delay="0"/>
+                                  </p:stCondLst>
+                                  <p:childTnLst>
+                                    <p:set>
+                                      <p:cBhvr>
+                                        <p:cTn id="24" dur="1" fill="hold">
+                                          <p:stCondLst>
+                                            <p:cond delay="0"/>
+                                          </p:stCondLst>
+                                        </p:cTn>
+                                        <p:tgtEl>
+                                          <p:spTgt spid="7170">
+                                            <p:txEl>
+                                              <p:pRg st="4" end="4"/>
+                                            </p:txEl>
+                                          </p:spTgt>
+                                        </p:tgtEl>
+                                        <p:attrNameLst>
+                                          <p:attrName>style.visibility</p:attrName>
+                                        </p:attrNameLst>
+                                      </p:cBhvr>
+                                      <p:to>
+                                        <p:strVal val="visible"/>
+                                      </p:to>
+                                    </p:set>
+                                  </p:childTnLst>
+                                </p:cTn>
+                              </p:par>
+                            </p:childTnLst>
+                          </p:cTn>
+                        </p:par>
+                      </p:childTnLst>
+                    </p:cTn>
+                  </p:par>
+                  <p:par>
+                    <p:cTn id="25" fill="hold">
+                      <p:stCondLst>
+                        <p:cond delay="indefinite"/>
+                      </p:stCondLst>
+                      <p:childTnLst>
+                        <p:par>
+                          <p:cTn id="26" fill="hold">
+                            <p:stCondLst>
+                              <p:cond delay="0"/>
+                            </p:stCondLst>
+                            <p:childTnLst>
+                              <p:par>
+                                <p:cTn id="27" presetID="1" presetClass="entr" presetSubtype="0" fill="hold" grpId="0" nodeType="clickEffect">
+                                  <p:stCondLst>
+                                    <p:cond delay="0"/>
+                                  </p:stCondLst>
+                                  <p:childTnLst>
+                                    <p:set>
+                                      <p:cBhvr>
+                                        <p:cTn id="28" dur="1" fill="hold">
+                                          <p:stCondLst>
+                                            <p:cond delay="0"/>
+                                          </p:stCondLst>
+                                        </p:cTn>
+                                        <p:tgtEl>
+                                          <p:spTgt spid="7170">
+                                            <p:txEl>
+                                              <p:pRg st="6" end="6"/>
+                                            </p:txEl>
+                                          </p:spTgt>
+                                        </p:tgtEl>
+                                        <p:attrNameLst>
+                                          <p:attrName>style.visibility</p:attrName>
+                                        </p:attrNameLst>
+                                      </p:cBhvr>
+                                      <p:to>
+                                        <p:strVal val="visible"/>
+                                      </p:to>
+                                    </p:set>
+                                  </p:childTnLst>
+                                </p:cTn>
+                              </p:par>
+                            </p:childTnLst>
+                          </p:cTn>
+                        </p:par>
+                      </p:childTnLst>
+                    </p:cTn>
+                  </p:par>
+                  <p:par>
+                    <p:cTn id="29" fill="hold">
+                      <p:stCondLst>
+                        <p:cond delay="indefinite"/>
+                      </p:stCondLst>
+                      <p:childTnLst>
+                        <p:par>
+                          <p:cTn id="30" fill="hold">
+                            <p:stCondLst>
+                              <p:cond delay="0"/>
+                            </p:stCondLst>
+                            <p:childTnLst>
+                              <p:par>
+                                <p:cTn id="31" presetID="1" presetClass="entr" presetSubtype="0" fill="hold" grpId="0" nodeType="clickEffect">
+                                  <p:stCondLst>
+                                    <p:cond delay="0"/>
+                                  </p:stCondLst>
+                                  <p:childTnLst>
+                                    <p:set>
+                                      <p:cBhvr>
+                                        <p:cTn id="32" dur="1" fill="hold">
+                                          <p:stCondLst>
+                                            <p:cond delay="0"/>
+                                          </p:stCondLst>
+                                        </p:cTn>
+                                        <p:tgtEl>
+                                          <p:spTgt spid="7170">
+                                            <p:txEl>
+                                              <p:pRg st="7" end="7"/>
+                                            </p:txEl>
+                                          </p:spTgt>
+                                        </p:tgtEl>
+                                        <p:attrNameLst>
+                                          <p:attrName>style.visibility</p:attrName>
+                                        </p:attrNameLst>
+                                      </p:cBhvr>
+                                      <p:to>
+                                        <p:strVal val="visible"/>
+                                      </p:to>
+                                    </p:set>
+                                  </p:childTnLst>
+                                </p:cTn>
+                              </p:par>
+                              <p:par>
+                                <p:cTn id="33" presetID="1" presetClass="entr" presetSubtype="0" fill="hold" grpId="0" nodeType="withEffect">
+                                  <p:stCondLst>
+                                    <p:cond delay="0"/>
+                                  </p:stCondLst>
+                                  <p:childTnLst>
+                                    <p:set>
+                                      <p:cBhvr>
+                                        <p:cTn id="34" dur="1" fill="hold">
+                                          <p:stCondLst>
+                                            <p:cond delay="0"/>
+                                          </p:stCondLst>
+                                        </p:cTn>
+                                        <p:tgtEl>
+                                          <p:spTgt spid="7170">
+                                            <p:txEl>
+                                              <p:pRg st="8" end="8"/>
+                                            </p:txEl>
+                                          </p:spTgt>
+                                        </p:tgtEl>
+                                        <p:attrNameLst>
+                                          <p:attrName>style.visibility</p:attrName>
+                                        </p:attrNameLst>
+                                      </p:cBhvr>
+                                      <p:to>
+                                        <p:strVal val="visible"/>
+                                      </p:to>
+                                    </p:set>
+                                  </p:childTnLst>
+                                </p:cTn>
+                              </p:par>
+                            </p:childTnLst>
+                          </p:cTn>
+                        </p:par>
+                      </p:childTnLst>
+                    </p:cTn>
+                  </p:par>
+                  <p:par>
+                    <p:cTn id="35" fill="hold">
+                      <p:stCondLst>
+                        <p:cond delay="indefinite"/>
+                      </p:stCondLst>
+                      <p:childTnLst>
+                        <p:par>
+                          <p:cTn id="36" fill="hold">
+                            <p:stCondLst>
+                              <p:cond delay="0"/>
+                            </p:stCondLst>
+                            <p:childTnLst>
+                              <p:par>
+                                <p:cTn id="37" presetID="1" presetClass="entr" presetSubtype="0" fill="hold" grpId="0" nodeType="clickEffect">
+                                  <p:stCondLst>
+                                    <p:cond delay="0"/>
+                                  </p:stCondLst>
+                                  <p:childTnLst>
+                                    <p:set>
+                                      <p:cBhvr>
+                                        <p:cTn id="38" dur="1" fill="hold">
+                                          <p:stCondLst>
+                                            <p:cond delay="0"/>
+                                          </p:stCondLst>
+                                        </p:cTn>
+                                        <p:tgtEl>
+                                          <p:spTgt spid="7170">
+                                            <p:txEl>
+                                              <p:pRg st="10" end="10"/>
+                                            </p:txEl>
+                                          </p:spTgt>
+                                        </p:tgtEl>
+                                        <p:attrNameLst>
+                                          <p:attrName>style.visibility</p:attrName>
+                                        </p:attrNameLst>
+                                      </p:cBhvr>
+                                      <p:to>
+                                        <p:strVal val="visible"/>
+                                      </p:to>
+                                    </p:set>
+                                  </p:childTnLst>
+                                </p:cTn>
+                              </p:par>
+                            </p:childTnLst>
+                          </p:cTn>
+                        </p:par>
+                      </p:childTnLst>
+                    </p:cTn>
+                  </p:par>
+                </p:childTnLst>
+              </p:cTn>
+              <p:prevCondLst>
+                <p:cond evt="onPrev" delay="0">
+                  <p:tgtEl>
+                    <p:sldTgt/>
+                  </p:tgtEl>
+                </p:cond>
+              </p:prevCondLst>
+              <p:nextCondLst>
+                <p:cond evt="onNext" delay="0">
+                  <p:tgtEl>
+                    <p:sldTgt/>
+                  </p:tgtEl>
+                </p:cond>
+              </p:nextCondLst>
+            </p:seq>
+          </p:childTnLst>
+        </p:cTn>
+      </p:par>
+    </p:tnLst>
+    <p:bldLst>
+      <p:bldP spid="12" grpId="0" animBg="1"/>
+      <p:bldP spid="7170" grpId="0" uiExpand="1" build="p"/>
+    </p:bldLst>
+  </p:timing>
+</p:sld>
+</file>
+
+<file path=ppt/slides/slide3.xml><?xml version="1.0" encoding="utf-8"?>
+<p:sld xmlns:a="http://schemas.openxmlformats.org/drawingml/2006/main" xmlns:r="http://schemas.openxmlformats.org/officeDocument/2006/relationships" xmlns:p="http://schemas.openxmlformats.org/presentationml/2006/main">
+  <p:cSld>
+    <p:spTree>
+      <p:nvGrpSpPr>
+        <p:cNvPr id="1" name=""/>
+        <p:cNvGrpSpPr/>
+        <p:nvPr/>
+      </p:nvGrpSpPr>
+      <p:grpSpPr>
+        <a:xfrm>
+          <a:off x="0" y="0"/>
+          <a:ext cx="0" cy="0"/>
+          <a:chOff x="0" y="0"/>
+          <a:chExt cx="0" cy="0"/>
+        </a:xfrm>
+      </p:grpSpPr>
       <p:sp>
         <p:nvSpPr>
           <p:cNvPr id="17410" name="Inhaltsplatzhalter 2"/>
@@ -8715,6 +9598,13 @@
   <p:clrMapOvr>
     <a:masterClrMapping/>
   </p:clrMapOvr>
+  <p:timing>
+    <p:tnLst>
+      <p:par>
+        <p:cTn id="1" dur="indefinite" restart="never" nodeType="tmRoot"/>
+      </p:par>
+    </p:tnLst>
+  </p:timing>
 </p:sld>
 </file>
 

--- a/slides/Tag-3_3-Abschluss.pptx
+++ b/slides/Tag-3_3-Abschluss.pptx
@@ -3549,13 +3549,22 @@
               <a:defRPr/>
             </a:pPr>
             <a:r>
-              <a:rPr lang="de-DE" sz="1000" dirty="0" smtClean="0">
+              <a:rPr lang="de-DE" sz="1000" dirty="0">
                 <a:solidFill>
                   <a:schemeClr val="bg1"/>
                 </a:solidFill>
                 <a:latin typeface="Arial" charset="0"/>
               </a:rPr>
-              <a:t>Patrick Möbius</a:t>
+              <a:t>Patrick </a:t>
+            </a:r>
+            <a:r>
+              <a:rPr lang="de-DE" sz="1000" dirty="0" err="1">
+                <a:solidFill>
+                  <a:schemeClr val="bg1"/>
+                </a:solidFill>
+                <a:latin typeface="Arial" charset="0"/>
+              </a:rPr>
+              <a:t>Ungewiß</a:t>
             </a:r>
             <a:endParaRPr lang="de-DE" sz="1000" dirty="0">
               <a:solidFill>
@@ -6746,7 +6755,7 @@
               <a:pPr algn="ctr">
                 <a:defRPr/>
               </a:pPr>
-              <a:t>28.05.2021</a:t>
+              <a:t>08.02.2023</a:t>
             </a:fld>
             <a:endParaRPr lang="de-DE" sz="1000" dirty="0">
               <a:solidFill>
@@ -7204,30 +7213,6 @@
           </a:p>
         </p:txBody>
       </p:sp>
-      <p:pic>
-        <p:nvPicPr>
-          <p:cNvPr id="14" name="Grafik 13" descr="logoGFU.jpg"/>
-          <p:cNvPicPr>
-            <a:picLocks noChangeAspect="1"/>
-          </p:cNvPicPr>
-          <p:nvPr/>
-        </p:nvPicPr>
-        <p:blipFill>
-          <a:blip r:embed="rId16" cstate="print"/>
-          <a:stretch>
-            <a:fillRect/>
-          </a:stretch>
-        </p:blipFill>
-        <p:spPr>
-          <a:xfrm>
-            <a:off x="6805628" y="572040"/>
-            <a:ext cx="1785950" cy="385205"/>
-          </a:xfrm>
-          <a:prstGeom prst="rect">
-            <a:avLst/>
-          </a:prstGeom>
-        </p:spPr>
-      </p:pic>
     </p:spTree>
   </p:cSld>
   <p:clrMap bg1="lt1" tx1="dk1" bg2="lt2" tx2="dk2" accent1="accent1" accent2="accent2" accent3="accent3" accent4="accent4" accent5="accent5" accent6="accent6" hlink="hlink" folHlink="folHlink"/>
@@ -8787,11 +8772,6 @@
               </a:rPr>
               <a:t>Lust auf mehr? </a:t>
             </a:r>
-            <a:endParaRPr lang="de-DE" altLang="de-DE" b="1" dirty="0" smtClean="0">
-              <a:solidFill>
-                <a:srgbClr val="006A42"/>
-              </a:solidFill>
-            </a:endParaRPr>
           </a:p>
           <a:p>
             <a:pPr marL="57150" indent="0">
@@ -8811,13 +8791,8 @@
             </a:pPr>
             <a:r>
               <a:rPr lang="de-DE" altLang="de-DE" dirty="0"/>
-              <a:t>Projektmanagement/ agile </a:t>
-            </a:r>
-            <a:r>
-              <a:rPr lang="de-DE" altLang="de-DE" dirty="0" smtClean="0"/>
-              <a:t>Methodik</a:t>
-            </a:r>
-            <a:endParaRPr lang="de-DE" altLang="de-DE" dirty="0"/>
+              <a:t>Projektmanagement/ agile Methodik</a:t>
+            </a:r>
           </a:p>
           <a:p>
             <a:pPr>
@@ -8826,18 +8801,9 @@
               <a:defRPr/>
             </a:pPr>
             <a:r>
-              <a:rPr lang="de-DE" altLang="de-DE" dirty="0" smtClean="0"/>
-              <a:t>Trainings</a:t>
-            </a:r>
-            <a:r>
-              <a:rPr lang="de-DE" altLang="de-DE" smtClean="0"/>
-              <a:t>, Schulungen &amp; </a:t>
-            </a:r>
-            <a:r>
-              <a:rPr lang="de-DE" altLang="de-DE" dirty="0" smtClean="0"/>
-              <a:t>Konferenzen</a:t>
-            </a:r>
-            <a:endParaRPr lang="de-DE" altLang="de-DE" dirty="0"/>
+              <a:rPr lang="de-DE" altLang="de-DE" dirty="0"/>
+              <a:t>Trainings, Schulungen &amp; Konferenzen</a:t>
+            </a:r>
           </a:p>
           <a:p>
             <a:pPr>
@@ -8854,7 +8820,7 @@
               <a:t> </a:t>
             </a:r>
             <a:r>
-              <a:rPr lang="en-US" altLang="de-DE" dirty="0" err="1" smtClean="0"/>
+              <a:rPr lang="en-US" altLang="de-DE" dirty="0" err="1"/>
               <a:t>Anwendungsentwicklung</a:t>
             </a:r>
             <a:endParaRPr lang="de-DE" altLang="de-DE" dirty="0"/>
@@ -8874,12 +8840,12 @@
               <a:defRPr/>
             </a:pPr>
             <a:r>
-              <a:rPr lang="de-DE" altLang="de-DE" dirty="0" smtClean="0">
+              <a:rPr lang="de-DE" altLang="de-DE" dirty="0">
                 <a:hlinkClick r:id="rId3"/>
               </a:rPr>
-              <a:t>patrick.moebius@anderScore.com</a:t>
-            </a:r>
-            <a:endParaRPr lang="de-DE" altLang="de-DE" dirty="0" smtClean="0"/>
+              <a:t>patrick.ungewiss@anderScore.com</a:t>
+            </a:r>
+            <a:endParaRPr lang="de-DE" altLang="de-DE" dirty="0"/>
           </a:p>
           <a:p>
             <a:pPr>
@@ -8888,7 +8854,7 @@
               <a:defRPr/>
             </a:pPr>
             <a:r>
-              <a:rPr lang="de-DE" altLang="de-DE" dirty="0" smtClean="0">
+              <a:rPr lang="de-DE" altLang="de-DE" dirty="0">
                 <a:hlinkClick r:id="rId4"/>
               </a:rPr>
               <a:t>info@anderScore.com</a:t>
@@ -8920,25 +8886,25 @@
               <a:defRPr/>
             </a:pPr>
             <a:r>
-              <a:rPr lang="de-DE" altLang="de-DE" dirty="0" smtClean="0"/>
+              <a:rPr lang="de-DE" altLang="de-DE" dirty="0"/>
               <a:t>Folien, Übungen &amp; Musterlösungen:</a:t>
             </a:r>
             <a:br>
-              <a:rPr lang="de-DE" altLang="de-DE" dirty="0" smtClean="0"/>
+              <a:rPr lang="de-DE" altLang="de-DE" dirty="0"/>
             </a:br>
             <a:r>
               <a:rPr lang="de-DE" altLang="de-DE" dirty="0">
                 <a:hlinkClick r:id="rId5"/>
               </a:rPr>
-              <a:t>https://</a:t>
-            </a:r>
-            <a:r>
-              <a:rPr lang="de-DE" altLang="de-DE" dirty="0" smtClean="0">
+              <a:t>https://github.com</a:t>
+            </a:r>
+            <a:r>
+              <a:rPr lang="de-DE" altLang="de-DE">
                 <a:hlinkClick r:id="rId5"/>
               </a:rPr>
-              <a:t>github.com/anderscore-gmbh/wicket-2021.05</a:t>
-            </a:r>
-            <a:endParaRPr lang="de-DE" altLang="de-DE" dirty="0"/>
+              <a:t>/anderscore-gmbh/</a:t>
+            </a:r>
+            <a:endParaRPr lang="de-DE" altLang="de-DE"/>
           </a:p>
           <a:p>
             <a:pPr marL="457200" lvl="1" indent="0">
@@ -9598,13 +9564,6 @@
   <p:clrMapOvr>
     <a:masterClrMapping/>
   </p:clrMapOvr>
-  <p:timing>
-    <p:tnLst>
-      <p:par>
-        <p:cTn id="1" dur="indefinite" restart="never" nodeType="tmRoot"/>
-      </p:par>
-    </p:tnLst>
-  </p:timing>
 </p:sld>
 </file>
 

--- a/slides/Tag-3_3-Abschluss.pptx
+++ b/slides/Tag-3_3-Abschluss.pptx
@@ -6755,7 +6755,7 @@
               <a:pPr algn="ctr">
                 <a:defRPr/>
               </a:pPr>
-              <a:t>08.02.2023</a:t>
+              <a:t>10.02.2023</a:t>
             </a:fld>
             <a:endParaRPr lang="de-DE" sz="1000" dirty="0">
               <a:solidFill>
@@ -8896,19 +8896,12 @@
               <a:rPr lang="de-DE" altLang="de-DE" dirty="0">
                 <a:hlinkClick r:id="rId5"/>
               </a:rPr>
-              <a:t>https://github.com</a:t>
-            </a:r>
-            <a:r>
-              <a:rPr lang="de-DE" altLang="de-DE">
-                <a:hlinkClick r:id="rId5"/>
-              </a:rPr>
-              <a:t>/anderscore-gmbh/</a:t>
-            </a:r>
-            <a:endParaRPr lang="de-DE" altLang="de-DE"/>
-          </a:p>
-          <a:p>
-            <a:pPr marL="457200" lvl="1" indent="0">
-              <a:buFont typeface="Monotype Sorts" pitchFamily="2" charset="2"/>
+              <a:t>https://github.com/anderscore-gmbh/wicket-training</a:t>
+            </a:r>
+            <a:endParaRPr lang="de-DE" altLang="de-DE" dirty="0"/>
+          </a:p>
+          <a:p>
+            <a:pPr marL="57150" indent="0">
               <a:buNone/>
               <a:defRPr/>
             </a:pPr>
